--- a/agile moves/Perception (PER)/ger_PER_05_Staerkenspiegel.pptx
+++ b/agile moves/Perception (PER)/ger_PER_05_Staerkenspiegel.pptx
@@ -137,7 +137,7 @@
         </p:nvSpPr>
         <p:spPr>
           <a:xfrm>
-            <a:off x="1166813" y="545546"/>
+            <a:off x="1166813" y="674138"/>
             <a:ext cx="4612406" cy="461665"/>
           </a:xfrm>
         </p:spPr>
@@ -169,7 +169,7 @@
         </p:nvSpPr>
         <p:spPr>
           <a:xfrm>
-            <a:off x="1166813" y="845255"/>
+            <a:off x="1166813" y="973847"/>
             <a:ext cx="5293995" cy="462329"/>
           </a:xfrm>
         </p:spPr>
@@ -355,7 +355,7 @@
 
 <file path=ppt/slideLayouts/slideLayout2.xml><?xml version="1.0" encoding="utf-8"?>
 <p:sldLayout xmlns:a="http://schemas.openxmlformats.org/drawingml/2006/main" xmlns:r="http://schemas.openxmlformats.org/officeDocument/2006/relationships" xmlns:p="http://schemas.openxmlformats.org/presentationml/2006/main" preserve="1" userDrawn="1">
-  <p:cSld name="Titel und Inhalt">
+  <p:cSld name="Trainingsaufgaben">
     <p:spTree>
       <p:nvGrpSpPr>
         <p:cNvPr id="1" name=""/>
@@ -482,7 +482,7 @@
         </p:nvSpPr>
         <p:spPr>
           <a:xfrm>
-            <a:off x="1174413" y="747972"/>
+            <a:off x="1174413" y="860490"/>
             <a:ext cx="3673457" cy="461665"/>
           </a:xfrm>
           <a:prstGeom prst="rect">
@@ -541,7 +541,7 @@
 
 <file path=ppt/slideLayouts/slideLayout3.xml><?xml version="1.0" encoding="utf-8"?>
 <p:sldLayout xmlns:a="http://schemas.openxmlformats.org/drawingml/2006/main" xmlns:r="http://schemas.openxmlformats.org/officeDocument/2006/relationships" xmlns:p="http://schemas.openxmlformats.org/presentationml/2006/main" preserve="1" userDrawn="1">
-  <p:cSld name="1_Titelfolie">
+  <p:cSld name="Überschrift einzeilig">
     <p:spTree>
       <p:nvGrpSpPr>
         <p:cNvPr id="1" name=""/>
@@ -568,7 +568,7 @@
         </p:nvSpPr>
         <p:spPr>
           <a:xfrm>
-            <a:off x="1166813" y="724550"/>
+            <a:off x="1166813" y="877253"/>
             <a:ext cx="4612406" cy="461665"/>
           </a:xfrm>
         </p:spPr>
@@ -690,7 +690,12 @@
             <p:ph type="title"/>
           </p:nvPr>
         </p:nvSpPr>
-        <p:spPr/>
+        <p:spPr>
+          <a:xfrm>
+            <a:off x="1173163" y="607122"/>
+            <a:ext cx="4358863" cy="830997"/>
+          </a:xfrm>
+        </p:spPr>
         <p:txBody>
           <a:bodyPr vert="horz"/>
           <a:lstStyle/>
@@ -699,7 +704,7 @@
               <a:rPr lang="de-DE" smtClean="0"/>
               <a:t>Mastertitelformat bearbeiten</a:t>
             </a:r>
-            <a:endParaRPr lang="de-DE"/>
+            <a:endParaRPr lang="de-DE" dirty="0"/>
           </a:p>
         </p:txBody>
       </p:sp>
@@ -720,7 +725,7 @@
           <a:p>
             <a:fld id="{FF5B2BAF-DF38-0A48-A798-0C06E514FD52}" type="datetimeFigureOut">
               <a:rPr lang="de-DE" smtClean="0"/>
-              <a:t>28.05.15</a:t>
+              <a:t>29.05.15</a:t>
             </a:fld>
             <a:endParaRPr lang="de-DE" dirty="0"/>
           </a:p>
@@ -815,7 +820,7 @@
         </p:nvSpPr>
         <p:spPr>
           <a:xfrm>
-            <a:off x="1173163" y="550863"/>
+            <a:off x="1173163" y="607122"/>
             <a:ext cx="4358863" cy="830997"/>
           </a:xfrm>
           <a:prstGeom prst="rect">
@@ -943,7 +948,7 @@
           <a:p>
             <a:fld id="{FF5B2BAF-DF38-0A48-A798-0C06E514FD52}" type="datetimeFigureOut">
               <a:rPr lang="de-DE" smtClean="0"/>
-              <a:t>28.05.15</a:t>
+              <a:t>29.05.15</a:t>
             </a:fld>
             <a:endParaRPr lang="de-DE" dirty="0"/>
           </a:p>
@@ -1132,7 +1137,7 @@
         </p:nvSpPr>
         <p:spPr>
           <a:xfrm>
-            <a:off x="5208103" y="82390"/>
+            <a:off x="5250723" y="82390"/>
             <a:ext cx="1905008" cy="253916"/>
           </a:xfrm>
           <a:prstGeom prst="rect">
@@ -1176,7 +1181,7 @@
               </a:rPr>
               <a:t>PER-05</a:t>
             </a:r>
-            <a:endParaRPr lang="de-DE" sz="1050" b="1" dirty="0" smtClean="0">
+            <a:endParaRPr lang="de-DE" sz="1050" b="1" dirty="0">
               <a:solidFill>
                 <a:schemeClr val="bg1"/>
               </a:solidFill>
@@ -1215,6 +1220,53 @@
           </a:prstGeom>
         </p:spPr>
       </p:pic>
+      <p:sp>
+        <p:nvSpPr>
+          <p:cNvPr id="12" name="Rechteck 11"/>
+          <p:cNvSpPr/>
+          <p:nvPr/>
+        </p:nvSpPr>
+        <p:spPr>
+          <a:xfrm>
+            <a:off x="0" y="0"/>
+            <a:ext cx="7562850" cy="5330825"/>
+          </a:xfrm>
+          <a:prstGeom prst="rect">
+            <a:avLst/>
+          </a:prstGeom>
+          <a:noFill/>
+          <a:ln>
+            <a:solidFill>
+              <a:schemeClr val="bg1">
+                <a:lumMod val="75000"/>
+              </a:schemeClr>
+            </a:solidFill>
+          </a:ln>
+          <a:effectLst/>
+        </p:spPr>
+        <p:style>
+          <a:lnRef idx="1">
+            <a:schemeClr val="accent1"/>
+          </a:lnRef>
+          <a:fillRef idx="3">
+            <a:schemeClr val="accent1"/>
+          </a:fillRef>
+          <a:effectRef idx="2">
+            <a:schemeClr val="accent1"/>
+          </a:effectRef>
+          <a:fontRef idx="minor">
+            <a:schemeClr val="lt1"/>
+          </a:fontRef>
+        </p:style>
+        <p:txBody>
+          <a:bodyPr rtlCol="0" anchor="ctr"/>
+          <a:lstStyle/>
+          <a:p>
+            <a:pPr algn="ctr"/>
+            <a:endParaRPr lang="de-DE"/>
+          </a:p>
+        </p:txBody>
+      </p:sp>
     </p:spTree>
     <p:extLst>
       <p:ext uri="{BB962C8B-B14F-4D97-AF65-F5344CB8AC3E}">
@@ -1531,7 +1583,7 @@
       </p:grpSpPr>
       <p:sp>
         <p:nvSpPr>
-          <p:cNvPr id="2" name="Titel 1"/>
+          <p:cNvPr id="4" name="Titel 3"/>
           <p:cNvSpPr>
             <a:spLocks noGrp="1"/>
           </p:cNvSpPr>
@@ -1539,22 +1591,17 @@
             <p:ph type="ctrTitle"/>
           </p:nvPr>
         </p:nvSpPr>
-        <p:spPr>
-          <a:xfrm>
-            <a:off x="1166813" y="766418"/>
-            <a:ext cx="4612406" cy="461665"/>
-          </a:xfrm>
-        </p:spPr>
+        <p:spPr/>
         <p:txBody>
           <a:bodyPr/>
           <a:lstStyle/>
           <a:p>
             <a:r>
-              <a:rPr lang="de-DE" dirty="0" smtClean="0"/>
+              <a:rPr lang="de-DE" dirty="0"/>
               <a:t>STÄRKEN</a:t>
             </a:r>
             <a:r>
-              <a:rPr lang="de-DE" dirty="0" smtClean="0">
+              <a:rPr lang="de-DE" dirty="0">
                 <a:latin typeface="Avenir Light"/>
                 <a:cs typeface="Avenir Light"/>
               </a:rPr>
@@ -1577,7 +1624,7 @@
         <p:spPr>
           <a:xfrm>
             <a:off x="858838" y="1568452"/>
-            <a:ext cx="6011545" cy="3557607"/>
+            <a:ext cx="6306080" cy="3133835"/>
           </a:xfrm>
         </p:spPr>
         <p:txBody>
@@ -1604,21 +1651,8 @@
             </a:pPr>
             <a:r>
               <a:rPr lang="de-DE" dirty="0"/>
-              <a:t>Nicht alles an uns ist toll und nicht alles kann jeder toll. </a:t>
-            </a:r>
-            <a:r>
-              <a:rPr lang="de-DE" dirty="0" smtClean="0"/>
-              <a:t>Das ist völlig normal und in Ordnung so. Alles </a:t>
-            </a:r>
-            <a:r>
-              <a:rPr lang="de-DE" dirty="0"/>
-              <a:t>andere wäre der Blick durch die rosarote </a:t>
-            </a:r>
-            <a:r>
-              <a:rPr lang="de-DE" dirty="0" smtClean="0"/>
-              <a:t>Brille.</a:t>
-            </a:r>
-            <a:endParaRPr lang="de-DE" dirty="0"/>
+              <a:t>Nicht alles an uns ist toll und nicht alles kann jeder toll. Das ist völlig normal und in Ordnung so. Alles andere wäre der Blick durch die rosarote Brille.</a:t>
+            </a:r>
           </a:p>
           <a:p>
             <a:pPr>
@@ -1628,21 +1662,8 @@
             </a:pPr>
             <a:r>
               <a:rPr lang="de-DE" dirty="0"/>
-              <a:t>In unserer Gesellschaft gilt es </a:t>
-            </a:r>
-            <a:r>
-              <a:rPr lang="de-DE" dirty="0" smtClean="0"/>
-              <a:t>jedoch im Gegenteil als </a:t>
-            </a:r>
-            <a:r>
-              <a:rPr lang="de-DE" dirty="0"/>
-              <a:t>hohes Gut, sich nicht selbst zu loben (schon gar nicht öffentlich)</a:t>
-            </a:r>
-            <a:r>
-              <a:rPr lang="de-DE" dirty="0" smtClean="0"/>
-              <a:t>. Viele Menschen haben diese Verhaltensregel verinnerlicht: Eigenlob stinkt.</a:t>
-            </a:r>
-            <a:endParaRPr lang="de-DE" dirty="0"/>
+              <a:t>In unserer Gesellschaft gilt es jedoch im Gegenteil als hohes Gut, sich nicht selbst zu loben (schon gar nicht öffentlich). Viele Menschen haben diese Verhaltensregel verinnerlicht: Eigenlob stinkt.</a:t>
+            </a:r>
           </a:p>
           <a:p>
             <a:pPr>
@@ -1652,13 +1673,8 @@
             </a:pPr>
             <a:r>
               <a:rPr lang="de-DE" dirty="0"/>
-              <a:t>Dazu wird große Selbstzufriedenheit häufig von uns selbst als Gefahr gesehen, den Antrieb zu verlieren, sich zu verbessern</a:t>
-            </a:r>
-            <a:r>
-              <a:rPr lang="de-DE" dirty="0" smtClean="0"/>
-              <a:t>. Wenn ich zu zufrieden bin, verliere ich meine Motivation.</a:t>
-            </a:r>
-            <a:endParaRPr lang="de-DE" dirty="0"/>
+              <a:t>Dazu wird große Selbstzufriedenheit häufig von uns selbst als Gefahr gesehen, den Antrieb zu verlieren, sich zu verbessern. Wenn ich zu zufrieden bin, verliere ich meine Motivation.</a:t>
+            </a:r>
           </a:p>
           <a:p>
             <a:pPr>
@@ -1668,15 +1684,7 @@
             </a:pPr>
             <a:r>
               <a:rPr lang="de-DE" dirty="0"/>
-              <a:t>Viele Menschen tendieren daher </a:t>
-            </a:r>
-            <a:r>
-              <a:rPr lang="de-DE" dirty="0" smtClean="0"/>
-              <a:t>dazu</a:t>
-            </a:r>
-            <a:r>
-              <a:rPr lang="de-DE" dirty="0"/>
-              <a:t>, ihre Fehler zu überhöhen und ihre Stärken zu banalisieren.</a:t>
+              <a:t>Viele Menschen tendieren daher dazu, ihre Fehler zu überhöhen und ihre Stärken zu banalisieren.</a:t>
             </a:r>
           </a:p>
           <a:p>
@@ -1698,24 +1706,12 @@
             </a:pPr>
             <a:r>
               <a:rPr lang="de-DE" dirty="0"/>
-              <a:t>Es geht dabei um ein realistisches Bild und darum, unsere eigene Perspektive auf uns durch Perspektiven von </a:t>
+              <a:t>Es geht dabei um ein realistisches Bild und darum, unsere eigene Perspektive auf uns durch Perspektiven von außen zu ergänzen und zu bereichern</a:t>
             </a:r>
             <a:r>
               <a:rPr lang="de-DE" dirty="0" smtClean="0"/>
-              <a:t>außen </a:t>
-            </a:r>
-            <a:r>
-              <a:rPr lang="de-DE" dirty="0"/>
-              <a:t>zu ergänzen und zu bereichern.</a:t>
-            </a:r>
-          </a:p>
-          <a:p>
-            <a:pPr marL="0" indent="0">
-              <a:lnSpc>
-                <a:spcPct val="150000"/>
-              </a:lnSpc>
-              <a:buNone/>
-            </a:pPr>
+              <a:t>.</a:t>
+            </a:r>
             <a:endParaRPr lang="de-DE" dirty="0"/>
           </a:p>
         </p:txBody>
@@ -1760,15 +1756,10 @@
             <p:ph idx="1"/>
           </p:nvPr>
         </p:nvSpPr>
-        <p:spPr>
-          <a:xfrm>
-            <a:off x="858838" y="1555750"/>
-            <a:ext cx="6430212" cy="3542700"/>
-          </a:xfrm>
-        </p:spPr>
+        <p:spPr/>
         <p:txBody>
           <a:bodyPr>
-            <a:noAutofit/>
+            <a:normAutofit lnSpcReduction="10000"/>
           </a:bodyPr>
           <a:lstStyle/>
           <a:p>
@@ -1792,36 +1783,20 @@
             </a:pPr>
             <a:r>
               <a:rPr lang="de-DE" dirty="0"/>
-              <a:t>b) In welchen konkreten Situationen hast Du genau diese Fähigkeit </a:t>
-            </a:r>
-            <a:r>
-              <a:rPr lang="de-DE" dirty="0" smtClean="0"/>
-              <a:t>beobachtet?</a:t>
+              <a:t>b) In welchen konkreten Situationen hast Du genau diese Fähigkeit beobachtet?</a:t>
             </a:r>
             <a:br>
-              <a:rPr lang="de-DE" dirty="0" smtClean="0"/>
+              <a:rPr lang="de-DE" dirty="0"/>
             </a:br>
             <a:r>
-              <a:rPr lang="de-DE" dirty="0" smtClean="0"/>
-              <a:t> </a:t>
-            </a:r>
-            <a:r>
               <a:rPr lang="de-DE" dirty="0"/>
-              <a:t>(je genauer beschrieben, desto besser)</a:t>
+              <a:t> (je genauer beschrieben, desto besser)</a:t>
             </a:r>
           </a:p>
           <a:p>
             <a:r>
               <a:rPr lang="de-DE" dirty="0"/>
-              <a:t>Jede der gefragten Personen sollte jeweils drei verschiedene Fähigkeiten und dazu jeweils mind. eine spezifische Situation notieren (ergibt </a:t>
-            </a:r>
-            <a:r>
-              <a:rPr lang="de-DE" dirty="0" smtClean="0"/>
-              <a:t>15 </a:t>
-            </a:r>
-            <a:r>
-              <a:rPr lang="de-DE" dirty="0"/>
-              <a:t>- 18 Fähigkeiten mit konkreten Situationen)</a:t>
+              <a:t>Jede der gefragten Personen sollte jeweils drei verschiedene Fähigkeiten und dazu jeweils mind. eine spezifische Situation notieren (ergibt 15 - 18 Fähigkeiten mit konkreten Situationen)</a:t>
             </a:r>
           </a:p>
           <a:p>
@@ -1833,49 +1808,19 @@
           <a:p>
             <a:r>
               <a:rPr lang="de-DE" dirty="0"/>
-              <a:t>Filtere daraus Deine Schlüsselstärken </a:t>
-            </a:r>
-            <a:r>
-              <a:rPr lang="de-DE" dirty="0" smtClean="0"/>
-              <a:t>heraus. Was wurde mehrfach genannt? Was findest Du wichtig für Dich? Was hast Du Dir selbst schon gedacht? Notiere </a:t>
-            </a:r>
+              <a:t>Filtere daraus Deine Schlüsselstärken heraus. Was wurde mehrfach genannt? Was findest Du wichtig für Dich? Was hast Du Dir selbst schon gedacht? Notiere sie Dir so, dass Du darauf zurückgreifen kannst  – besonders in Drucksituationen oder bei schwierigen Entscheidungen.</a:t>
+            </a:r>
+          </a:p>
+          <a:p>
             <a:r>
               <a:rPr lang="de-DE" dirty="0"/>
-              <a:t>sie Dir so, dass Du darauf zurückgreifen </a:t>
-            </a:r>
-            <a:r>
-              <a:rPr lang="de-DE" dirty="0" smtClean="0"/>
-              <a:t>kannst  – besonders in </a:t>
-            </a:r>
-            <a:r>
-              <a:rPr lang="de-DE" dirty="0"/>
-              <a:t>Drucksituationen oder bei schwierigen </a:t>
-            </a:r>
-            <a:r>
-              <a:rPr lang="de-DE" dirty="0" smtClean="0"/>
-              <a:t>Entscheidungen.</a:t>
-            </a:r>
-            <a:endParaRPr lang="de-DE" dirty="0"/>
-          </a:p>
-          <a:p>
-            <a:r>
-              <a:rPr lang="de-DE" dirty="0" smtClean="0"/>
-              <a:t>Mache </a:t>
-            </a:r>
-            <a:r>
-              <a:rPr lang="de-DE" dirty="0"/>
-              <a:t>diese Übung und teile das </a:t>
-            </a:r>
-            <a:r>
-              <a:rPr lang="de-DE" dirty="0" smtClean="0"/>
-              <a:t>Endergebnis mit </a:t>
-            </a:r>
-            <a:r>
-              <a:rPr lang="de-DE" dirty="0"/>
-              <a:t>mind. drei anderen Personen.</a:t>
-            </a:r>
-          </a:p>
-          <a:p>
+              <a:t>Mache diese Übung und teile das Endergebnis mit mind. drei anderen Personen.</a:t>
+            </a:r>
+          </a:p>
+          <a:p>
+            <a:pPr marL="0" indent="0">
+              <a:buNone/>
+            </a:pPr>
             <a:endParaRPr lang="de-DE" dirty="0"/>
           </a:p>
         </p:txBody>
@@ -1894,7 +1839,7 @@
 </file>
 
 <file path=ppt/theme/theme1.xml><?xml version="1.0" encoding="utf-8"?>
-<a:theme xmlns:a="http://schemas.openxmlformats.org/drawingml/2006/main" name="am_Trainingskarte_Template">
+<a:theme xmlns:a="http://schemas.openxmlformats.org/drawingml/2006/main" name="ger_training_card_template">
   <a:themeElements>
     <a:clrScheme name="Office">
       <a:dk1>

--- a/agile moves/Perception (PER)/ger_PER_05_Staerkenspiegel.pptx
+++ b/agile moves/Perception (PER)/ger_PER_05_Staerkenspiegel.pptx
@@ -305,35 +305,35 @@
           <a:p>
             <a:pPr lvl="0"/>
             <a:r>
-              <a:rPr lang="de-DE" smtClean="0"/>
+              <a:rPr lang="de-DE" dirty="0" smtClean="0"/>
               <a:t>Mastertextformat bearbeiten</a:t>
             </a:r>
           </a:p>
           <a:p>
             <a:pPr lvl="1"/>
             <a:r>
-              <a:rPr lang="de-DE" smtClean="0"/>
+              <a:rPr lang="de-DE" dirty="0" smtClean="0"/>
               <a:t>Zweite Ebene</a:t>
             </a:r>
           </a:p>
           <a:p>
             <a:pPr lvl="2"/>
             <a:r>
-              <a:rPr lang="de-DE" smtClean="0"/>
+              <a:rPr lang="de-DE" dirty="0" smtClean="0"/>
               <a:t>Dritte Ebene</a:t>
             </a:r>
           </a:p>
           <a:p>
             <a:pPr lvl="3"/>
             <a:r>
-              <a:rPr lang="de-DE" smtClean="0"/>
+              <a:rPr lang="de-DE" dirty="0" smtClean="0"/>
               <a:t>Vierte Ebene</a:t>
             </a:r>
           </a:p>
           <a:p>
             <a:pPr lvl="4"/>
             <a:r>
-              <a:rPr lang="de-DE" smtClean="0"/>
+              <a:rPr lang="de-DE" dirty="0" smtClean="0"/>
               <a:t>Fünfte Ebene</a:t>
             </a:r>
             <a:endParaRPr lang="de-DE" dirty="0"/>
@@ -504,7 +504,7 @@
                 <a:latin typeface="Avenir Heavy"/>
                 <a:cs typeface="Avenir Heavy"/>
               </a:rPr>
-              <a:t>TR	AININGS</a:t>
+              <a:t>TRAININGS</a:t>
             </a:r>
             <a:r>
               <a:rPr lang="de-DE" sz="2400" dirty="0" smtClean="0">
@@ -810,418 +810,6 @@
       </p:grpSpPr>
       <p:sp>
         <p:nvSpPr>
-          <p:cNvPr id="2" name="Titelplatzhalter 1"/>
-          <p:cNvSpPr>
-            <a:spLocks noGrp="1"/>
-          </p:cNvSpPr>
-          <p:nvPr>
-            <p:ph type="title"/>
-          </p:nvPr>
-        </p:nvSpPr>
-        <p:spPr>
-          <a:xfrm>
-            <a:off x="1173163" y="607122"/>
-            <a:ext cx="4358863" cy="830997"/>
-          </a:xfrm>
-          <a:prstGeom prst="rect">
-            <a:avLst/>
-          </a:prstGeom>
-          <a:noFill/>
-        </p:spPr>
-        <p:txBody>
-          <a:bodyPr wrap="square" rtlCol="0">
-            <a:spAutoFit/>
-          </a:bodyPr>
-          <a:lstStyle/>
-          <a:p>
-            <a:pPr marL="0" lvl="0" algn="l"/>
-            <a:r>
-              <a:rPr lang="de-DE" dirty="0" smtClean="0"/>
-              <a:t>Überschrift </a:t>
-            </a:r>
-            <a:br>
-              <a:rPr lang="de-DE" dirty="0" smtClean="0"/>
-            </a:br>
-            <a:r>
-              <a:rPr lang="de-DE" dirty="0" smtClean="0"/>
-              <a:t>bearbeiten </a:t>
-            </a:r>
-            <a:endParaRPr lang="de-DE" dirty="0"/>
-          </a:p>
-        </p:txBody>
-      </p:sp>
-      <p:sp>
-        <p:nvSpPr>
-          <p:cNvPr id="3" name="Textplatzhalter 2"/>
-          <p:cNvSpPr>
-            <a:spLocks noGrp="1"/>
-          </p:cNvSpPr>
-          <p:nvPr>
-            <p:ph type="body" idx="1"/>
-          </p:nvPr>
-        </p:nvSpPr>
-        <p:spPr>
-          <a:xfrm>
-            <a:off x="858838" y="1568452"/>
-            <a:ext cx="6011545" cy="3133835"/>
-          </a:xfrm>
-          <a:prstGeom prst="rect">
-            <a:avLst/>
-          </a:prstGeom>
-          <a:noFill/>
-        </p:spPr>
-        <p:txBody>
-          <a:bodyPr vert="horz" lIns="80678" tIns="40339" rIns="80678" bIns="40339" rtlCol="0">
-            <a:normAutofit/>
-          </a:bodyPr>
-          <a:lstStyle/>
-          <a:p>
-            <a:pPr lvl="0"/>
-            <a:r>
-              <a:rPr lang="de-DE" dirty="0" smtClean="0"/>
-              <a:t>Mastertextformat bearbeiten</a:t>
-            </a:r>
-          </a:p>
-          <a:p>
-            <a:pPr lvl="1"/>
-            <a:r>
-              <a:rPr lang="de-DE" dirty="0" smtClean="0"/>
-              <a:t>Zweite Ebene</a:t>
-            </a:r>
-          </a:p>
-          <a:p>
-            <a:pPr lvl="2"/>
-            <a:r>
-              <a:rPr lang="de-DE" dirty="0" smtClean="0"/>
-              <a:t>Dritte Ebene</a:t>
-            </a:r>
-          </a:p>
-          <a:p>
-            <a:pPr lvl="3"/>
-            <a:r>
-              <a:rPr lang="de-DE" dirty="0" smtClean="0"/>
-              <a:t>Vierte Ebene</a:t>
-            </a:r>
-          </a:p>
-          <a:p>
-            <a:pPr lvl="4"/>
-            <a:r>
-              <a:rPr lang="de-DE" dirty="0" smtClean="0"/>
-              <a:t>Fünfte Ebene</a:t>
-            </a:r>
-            <a:endParaRPr lang="de-DE" dirty="0"/>
-          </a:p>
-        </p:txBody>
-      </p:sp>
-      <p:sp>
-        <p:nvSpPr>
-          <p:cNvPr id="4" name="Datumsplatzhalter 3"/>
-          <p:cNvSpPr>
-            <a:spLocks noGrp="1"/>
-          </p:cNvSpPr>
-          <p:nvPr>
-            <p:ph type="dt" sz="half" idx="2"/>
-          </p:nvPr>
-        </p:nvSpPr>
-        <p:spPr>
-          <a:xfrm>
-            <a:off x="378144" y="4940886"/>
-            <a:ext cx="1764665" cy="283817"/>
-          </a:xfrm>
-          <a:prstGeom prst="rect">
-            <a:avLst/>
-          </a:prstGeom>
-        </p:spPr>
-        <p:txBody>
-          <a:bodyPr vert="horz" lIns="80678" tIns="40339" rIns="80678" bIns="40339" rtlCol="0" anchor="ctr"/>
-          <a:lstStyle>
-            <a:lvl1pPr algn="l">
-              <a:defRPr sz="1100">
-                <a:solidFill>
-                  <a:schemeClr val="tx1">
-                    <a:tint val="75000"/>
-                  </a:schemeClr>
-                </a:solidFill>
-              </a:defRPr>
-            </a:lvl1pPr>
-          </a:lstStyle>
-          <a:p>
-            <a:fld id="{FF5B2BAF-DF38-0A48-A798-0C06E514FD52}" type="datetimeFigureOut">
-              <a:rPr lang="de-DE" smtClean="0"/>
-              <a:t>29.05.15</a:t>
-            </a:fld>
-            <a:endParaRPr lang="de-DE" dirty="0"/>
-          </a:p>
-        </p:txBody>
-      </p:sp>
-      <p:sp>
-        <p:nvSpPr>
-          <p:cNvPr id="5" name="Fußzeilenplatzhalter 4"/>
-          <p:cNvSpPr>
-            <a:spLocks noGrp="1"/>
-          </p:cNvSpPr>
-          <p:nvPr>
-            <p:ph type="ftr" sz="quarter" idx="3"/>
-          </p:nvPr>
-        </p:nvSpPr>
-        <p:spPr>
-          <a:xfrm>
-            <a:off x="2583974" y="4940886"/>
-            <a:ext cx="2394903" cy="283817"/>
-          </a:xfrm>
-          <a:prstGeom prst="rect">
-            <a:avLst/>
-          </a:prstGeom>
-        </p:spPr>
-        <p:txBody>
-          <a:bodyPr vert="horz" lIns="80678" tIns="40339" rIns="80678" bIns="40339" rtlCol="0" anchor="ctr"/>
-          <a:lstStyle>
-            <a:lvl1pPr algn="ctr">
-              <a:defRPr sz="1100">
-                <a:solidFill>
-                  <a:schemeClr val="tx1">
-                    <a:tint val="75000"/>
-                  </a:schemeClr>
-                </a:solidFill>
-              </a:defRPr>
-            </a:lvl1pPr>
-          </a:lstStyle>
-          <a:p>
-            <a:endParaRPr lang="de-DE"/>
-          </a:p>
-        </p:txBody>
-      </p:sp>
-      <p:sp>
-        <p:nvSpPr>
-          <p:cNvPr id="6" name="Foliennummernplatzhalter 5"/>
-          <p:cNvSpPr>
-            <a:spLocks noGrp="1"/>
-          </p:cNvSpPr>
-          <p:nvPr>
-            <p:ph type="sldNum" sz="quarter" idx="4"/>
-          </p:nvPr>
-        </p:nvSpPr>
-        <p:spPr>
-          <a:xfrm>
-            <a:off x="5420044" y="4940886"/>
-            <a:ext cx="1764665" cy="283817"/>
-          </a:xfrm>
-          <a:prstGeom prst="rect">
-            <a:avLst/>
-          </a:prstGeom>
-        </p:spPr>
-        <p:txBody>
-          <a:bodyPr vert="horz" lIns="80678" tIns="40339" rIns="80678" bIns="40339" rtlCol="0" anchor="ctr"/>
-          <a:lstStyle>
-            <a:lvl1pPr algn="r">
-              <a:defRPr sz="1100">
-                <a:solidFill>
-                  <a:schemeClr val="tx1">
-                    <a:tint val="75000"/>
-                  </a:schemeClr>
-                </a:solidFill>
-              </a:defRPr>
-            </a:lvl1pPr>
-          </a:lstStyle>
-          <a:p>
-            <a:fld id="{3A3AAF8E-01AD-0B40-85E5-1DEBD88C874F}" type="slidenum">
-              <a:rPr lang="de-DE" smtClean="0"/>
-              <a:t>‹Nr.›</a:t>
-            </a:fld>
-            <a:endParaRPr lang="de-DE"/>
-          </a:p>
-        </p:txBody>
-      </p:sp>
-      <p:sp>
-        <p:nvSpPr>
-          <p:cNvPr id="8" name="Rechteck 7"/>
-          <p:cNvSpPr/>
-          <p:nvPr/>
-        </p:nvSpPr>
-        <p:spPr>
-          <a:xfrm>
-            <a:off x="0" y="0"/>
-            <a:ext cx="7562850" cy="61450"/>
-          </a:xfrm>
-          <a:prstGeom prst="rect">
-            <a:avLst/>
-          </a:prstGeom>
-          <a:solidFill>
-            <a:srgbClr val="9CD5E7"/>
-          </a:solidFill>
-          <a:ln>
-            <a:solidFill>
-              <a:srgbClr val="9CD5E7"/>
-            </a:solidFill>
-          </a:ln>
-          <a:effectLst/>
-        </p:spPr>
-        <p:style>
-          <a:lnRef idx="1">
-            <a:schemeClr val="accent1"/>
-          </a:lnRef>
-          <a:fillRef idx="3">
-            <a:schemeClr val="accent1"/>
-          </a:fillRef>
-          <a:effectRef idx="2">
-            <a:schemeClr val="accent1"/>
-          </a:effectRef>
-          <a:fontRef idx="minor">
-            <a:schemeClr val="lt1"/>
-          </a:fontRef>
-        </p:style>
-        <p:txBody>
-          <a:bodyPr rtlCol="0" anchor="ctr"/>
-          <a:lstStyle/>
-          <a:p>
-            <a:pPr algn="ctr"/>
-            <a:endParaRPr lang="de-DE"/>
-          </a:p>
-        </p:txBody>
-      </p:sp>
-      <p:sp>
-        <p:nvSpPr>
-          <p:cNvPr id="9" name="Ecken des Rechtecks auf der gleichen Seite abrunden 8"/>
-          <p:cNvSpPr/>
-          <p:nvPr/>
-        </p:nvSpPr>
-        <p:spPr>
-          <a:xfrm flipV="1">
-            <a:off x="5189271" y="-6830"/>
-            <a:ext cx="1905008" cy="430153"/>
-          </a:xfrm>
-          <a:prstGeom prst="round2SameRect">
-            <a:avLst>
-              <a:gd name="adj1" fmla="val 11111"/>
-              <a:gd name="adj2" fmla="val 0"/>
-            </a:avLst>
-          </a:prstGeom>
-          <a:solidFill>
-            <a:srgbClr val="1191D1"/>
-          </a:solidFill>
-          <a:ln>
-            <a:solidFill>
-              <a:srgbClr val="1191D1"/>
-            </a:solidFill>
-          </a:ln>
-          <a:effectLst/>
-        </p:spPr>
-        <p:style>
-          <a:lnRef idx="1">
-            <a:schemeClr val="accent1"/>
-          </a:lnRef>
-          <a:fillRef idx="3">
-            <a:schemeClr val="accent1"/>
-          </a:fillRef>
-          <a:effectRef idx="2">
-            <a:schemeClr val="accent1"/>
-          </a:effectRef>
-          <a:fontRef idx="minor">
-            <a:schemeClr val="lt1"/>
-          </a:fontRef>
-        </p:style>
-        <p:txBody>
-          <a:bodyPr rtlCol="0" anchor="ctr"/>
-          <a:lstStyle/>
-          <a:p>
-            <a:pPr algn="ctr"/>
-            <a:endParaRPr lang="de-DE" dirty="0"/>
-          </a:p>
-        </p:txBody>
-      </p:sp>
-      <p:sp>
-        <p:nvSpPr>
-          <p:cNvPr id="10" name="Textfeld 9"/>
-          <p:cNvSpPr txBox="1"/>
-          <p:nvPr/>
-        </p:nvSpPr>
-        <p:spPr>
-          <a:xfrm>
-            <a:off x="5250723" y="82390"/>
-            <a:ext cx="1905008" cy="253916"/>
-          </a:xfrm>
-          <a:prstGeom prst="rect">
-            <a:avLst/>
-          </a:prstGeom>
-          <a:noFill/>
-        </p:spPr>
-        <p:txBody>
-          <a:bodyPr wrap="square" rtlCol="0">
-            <a:spAutoFit/>
-          </a:bodyPr>
-          <a:lstStyle/>
-          <a:p>
-            <a:r>
-              <a:rPr lang="de-DE" sz="1050" b="1" dirty="0" smtClean="0">
-                <a:solidFill>
-                  <a:schemeClr val="bg1"/>
-                </a:solidFill>
-                <a:latin typeface="Avenir Book"/>
-                <a:cs typeface="Avenir Book"/>
-              </a:rPr>
-              <a:t>TRAININGSKARTE</a:t>
-            </a:r>
-            <a:r>
-              <a:rPr lang="de-DE" sz="1050" dirty="0" smtClean="0">
-                <a:solidFill>
-                  <a:schemeClr val="bg1"/>
-                </a:solidFill>
-                <a:latin typeface="Avenir Book"/>
-                <a:cs typeface="Avenir Book"/>
-              </a:rPr>
-              <a:t> </a:t>
-            </a:r>
-            <a:r>
-              <a:rPr lang="de-DE" sz="1050" b="1" dirty="0" smtClean="0">
-                <a:solidFill>
-                  <a:schemeClr val="bg1"/>
-                </a:solidFill>
-                <a:latin typeface="Avenir Heavy"/>
-                <a:cs typeface="Avenir Heavy"/>
-              </a:rPr>
-              <a:t>PER-05</a:t>
-            </a:r>
-            <a:endParaRPr lang="de-DE" sz="1050" b="1" dirty="0">
-              <a:solidFill>
-                <a:schemeClr val="bg1"/>
-              </a:solidFill>
-              <a:latin typeface="Avenir Heavy"/>
-              <a:cs typeface="Avenir Heavy"/>
-            </a:endParaRPr>
-          </a:p>
-        </p:txBody>
-      </p:sp>
-      <p:pic>
-        <p:nvPicPr>
-          <p:cNvPr id="11" name="Bild 10" descr="Agile-Moves_neu.png"/>
-          <p:cNvPicPr>
-            <a:picLocks noChangeAspect="1"/>
-          </p:cNvPicPr>
-          <p:nvPr/>
-        </p:nvPicPr>
-        <p:blipFill rotWithShape="1">
-          <a:blip r:embed="rId6">
-            <a:extLst>
-              <a:ext uri="{28A0092B-C50C-407E-A947-70E740481C1C}">
-                <a14:useLocalDpi xmlns:a14="http://schemas.microsoft.com/office/drawing/2010/main" val="0"/>
-              </a:ext>
-            </a:extLst>
-          </a:blip>
-          <a:srcRect l="41251" t="11643" r="41617" b="41498"/>
-          <a:stretch/>
-        </p:blipFill>
-        <p:spPr>
-          <a:xfrm>
-            <a:off x="218218" y="589976"/>
-            <a:ext cx="886754" cy="808932"/>
-          </a:xfrm>
-          <a:prstGeom prst="rect">
-            <a:avLst/>
-          </a:prstGeom>
-        </p:spPr>
-      </p:pic>
-      <p:sp>
-        <p:nvSpPr>
           <p:cNvPr id="12" name="Rechteck 11"/>
           <p:cNvSpPr/>
           <p:nvPr/>
@@ -1267,6 +855,438 @@
           </a:p>
         </p:txBody>
       </p:sp>
+      <p:sp>
+        <p:nvSpPr>
+          <p:cNvPr id="2" name="Titelplatzhalter 1"/>
+          <p:cNvSpPr>
+            <a:spLocks noGrp="1"/>
+          </p:cNvSpPr>
+          <p:nvPr>
+            <p:ph type="title"/>
+          </p:nvPr>
+        </p:nvSpPr>
+        <p:spPr>
+          <a:xfrm>
+            <a:off x="1173163" y="607122"/>
+            <a:ext cx="4358863" cy="830997"/>
+          </a:xfrm>
+          <a:prstGeom prst="rect">
+            <a:avLst/>
+          </a:prstGeom>
+          <a:noFill/>
+        </p:spPr>
+        <p:txBody>
+          <a:bodyPr wrap="square" rtlCol="0">
+            <a:spAutoFit/>
+          </a:bodyPr>
+          <a:lstStyle/>
+          <a:p>
+            <a:pPr marL="0" lvl="0" algn="l"/>
+            <a:r>
+              <a:rPr lang="de-DE" dirty="0" smtClean="0"/>
+              <a:t>Überschrift </a:t>
+            </a:r>
+            <a:br>
+              <a:rPr lang="de-DE" dirty="0" smtClean="0"/>
+            </a:br>
+            <a:r>
+              <a:rPr lang="de-DE" dirty="0" smtClean="0"/>
+              <a:t>bearbeiten </a:t>
+            </a:r>
+            <a:endParaRPr lang="de-DE" dirty="0"/>
+          </a:p>
+        </p:txBody>
+      </p:sp>
+      <p:sp>
+        <p:nvSpPr>
+          <p:cNvPr id="3" name="Textplatzhalter 2"/>
+          <p:cNvSpPr>
+            <a:spLocks noGrp="1"/>
+          </p:cNvSpPr>
+          <p:nvPr>
+            <p:ph type="body" idx="1"/>
+          </p:nvPr>
+        </p:nvSpPr>
+        <p:spPr>
+          <a:xfrm>
+            <a:off x="858838" y="1568452"/>
+            <a:ext cx="6011545" cy="3133835"/>
+          </a:xfrm>
+          <a:prstGeom prst="rect">
+            <a:avLst/>
+          </a:prstGeom>
+          <a:noFill/>
+        </p:spPr>
+        <p:txBody>
+          <a:bodyPr vert="horz" lIns="80678" tIns="40339" rIns="80678" bIns="40339" rtlCol="0">
+            <a:normAutofit/>
+          </a:bodyPr>
+          <a:lstStyle/>
+          <a:p>
+            <a:pPr lvl="0"/>
+            <a:r>
+              <a:rPr lang="de-DE" dirty="0" smtClean="0"/>
+              <a:t>Mastertextformat bearbeiten</a:t>
+            </a:r>
+          </a:p>
+          <a:p>
+            <a:pPr lvl="1"/>
+            <a:r>
+              <a:rPr lang="de-DE" dirty="0" smtClean="0"/>
+              <a:t>Zweite Ebene</a:t>
+            </a:r>
+          </a:p>
+          <a:p>
+            <a:pPr lvl="2"/>
+            <a:r>
+              <a:rPr lang="de-DE" dirty="0" smtClean="0"/>
+              <a:t>Dritte Ebene</a:t>
+            </a:r>
+          </a:p>
+          <a:p>
+            <a:pPr lvl="3"/>
+            <a:r>
+              <a:rPr lang="de-DE" dirty="0" smtClean="0"/>
+              <a:t>Vierte Ebene</a:t>
+            </a:r>
+          </a:p>
+          <a:p>
+            <a:pPr lvl="4"/>
+            <a:r>
+              <a:rPr lang="de-DE" dirty="0" smtClean="0"/>
+              <a:t>Fünfte Ebene</a:t>
+            </a:r>
+            <a:endParaRPr lang="de-DE" dirty="0"/>
+          </a:p>
+        </p:txBody>
+      </p:sp>
+      <p:sp>
+        <p:nvSpPr>
+          <p:cNvPr id="4" name="Datumsplatzhalter 3"/>
+          <p:cNvSpPr>
+            <a:spLocks noGrp="1"/>
+          </p:cNvSpPr>
+          <p:nvPr>
+            <p:ph type="dt" sz="half" idx="2"/>
+          </p:nvPr>
+        </p:nvSpPr>
+        <p:spPr>
+          <a:xfrm>
+            <a:off x="378144" y="4940886"/>
+            <a:ext cx="1764665" cy="283817"/>
+          </a:xfrm>
+          <a:prstGeom prst="rect">
+            <a:avLst/>
+          </a:prstGeom>
+        </p:spPr>
+        <p:txBody>
+          <a:bodyPr vert="horz" lIns="80678" tIns="40339" rIns="80678" bIns="40339" rtlCol="0" anchor="ctr"/>
+          <a:lstStyle>
+            <a:lvl1pPr algn="l">
+              <a:defRPr sz="1100">
+                <a:solidFill>
+                  <a:schemeClr val="tx1">
+                    <a:tint val="75000"/>
+                  </a:schemeClr>
+                </a:solidFill>
+              </a:defRPr>
+            </a:lvl1pPr>
+          </a:lstStyle>
+          <a:p>
+            <a:fld id="{FF5B2BAF-DF38-0A48-A798-0C06E514FD52}" type="datetimeFigureOut">
+              <a:rPr lang="de-DE" smtClean="0"/>
+              <a:t>29.05.15</a:t>
+            </a:fld>
+            <a:endParaRPr lang="de-DE" dirty="0"/>
+          </a:p>
+        </p:txBody>
+      </p:sp>
+      <p:sp>
+        <p:nvSpPr>
+          <p:cNvPr id="5" name="Fußzeilenplatzhalter 4"/>
+          <p:cNvSpPr>
+            <a:spLocks noGrp="1"/>
+          </p:cNvSpPr>
+          <p:nvPr>
+            <p:ph type="ftr" sz="quarter" idx="3"/>
+          </p:nvPr>
+        </p:nvSpPr>
+        <p:spPr>
+          <a:xfrm>
+            <a:off x="2583974" y="4940886"/>
+            <a:ext cx="2394903" cy="283817"/>
+          </a:xfrm>
+          <a:prstGeom prst="rect">
+            <a:avLst/>
+          </a:prstGeom>
+        </p:spPr>
+        <p:txBody>
+          <a:bodyPr vert="horz" lIns="80678" tIns="40339" rIns="80678" bIns="40339" rtlCol="0" anchor="ctr"/>
+          <a:lstStyle>
+            <a:lvl1pPr algn="ctr">
+              <a:defRPr sz="1100">
+                <a:solidFill>
+                  <a:schemeClr val="tx1">
+                    <a:tint val="75000"/>
+                  </a:schemeClr>
+                </a:solidFill>
+              </a:defRPr>
+            </a:lvl1pPr>
+          </a:lstStyle>
+          <a:p>
+            <a:endParaRPr lang="de-DE"/>
+          </a:p>
+        </p:txBody>
+      </p:sp>
+      <p:sp>
+        <p:nvSpPr>
+          <p:cNvPr id="6" name="Foliennummernplatzhalter 5"/>
+          <p:cNvSpPr>
+            <a:spLocks noGrp="1"/>
+          </p:cNvSpPr>
+          <p:nvPr>
+            <p:ph type="sldNum" sz="quarter" idx="4"/>
+          </p:nvPr>
+        </p:nvSpPr>
+        <p:spPr>
+          <a:xfrm>
+            <a:off x="5420044" y="4940886"/>
+            <a:ext cx="1764665" cy="283817"/>
+          </a:xfrm>
+          <a:prstGeom prst="rect">
+            <a:avLst/>
+          </a:prstGeom>
+        </p:spPr>
+        <p:txBody>
+          <a:bodyPr vert="horz" lIns="80678" tIns="40339" rIns="80678" bIns="40339" rtlCol="0" anchor="ctr"/>
+          <a:lstStyle>
+            <a:lvl1pPr algn="r">
+              <a:defRPr sz="1100">
+                <a:solidFill>
+                  <a:schemeClr val="tx1">
+                    <a:tint val="75000"/>
+                  </a:schemeClr>
+                </a:solidFill>
+              </a:defRPr>
+            </a:lvl1pPr>
+          </a:lstStyle>
+          <a:p>
+            <a:fld id="{3A3AAF8E-01AD-0B40-85E5-1DEBD88C874F}" type="slidenum">
+              <a:rPr lang="de-DE" smtClean="0"/>
+              <a:t>‹Nr.›</a:t>
+            </a:fld>
+            <a:endParaRPr lang="de-DE"/>
+          </a:p>
+        </p:txBody>
+      </p:sp>
+      <p:sp>
+        <p:nvSpPr>
+          <p:cNvPr id="8" name="Rechteck 7"/>
+          <p:cNvSpPr/>
+          <p:nvPr/>
+        </p:nvSpPr>
+        <p:spPr>
+          <a:xfrm>
+            <a:off x="0" y="0"/>
+            <a:ext cx="7562850" cy="61450"/>
+          </a:xfrm>
+          <a:prstGeom prst="rect">
+            <a:avLst/>
+          </a:prstGeom>
+          <a:solidFill>
+            <a:srgbClr val="9CD5E7"/>
+          </a:solidFill>
+          <a:ln>
+            <a:solidFill>
+              <a:srgbClr val="9CD5E7"/>
+            </a:solidFill>
+          </a:ln>
+          <a:effectLst/>
+        </p:spPr>
+        <p:style>
+          <a:lnRef idx="1">
+            <a:schemeClr val="accent1"/>
+          </a:lnRef>
+          <a:fillRef idx="3">
+            <a:schemeClr val="accent1"/>
+          </a:fillRef>
+          <a:effectRef idx="2">
+            <a:schemeClr val="accent1"/>
+          </a:effectRef>
+          <a:fontRef idx="minor">
+            <a:schemeClr val="lt1"/>
+          </a:fontRef>
+        </p:style>
+        <p:txBody>
+          <a:bodyPr rtlCol="0" anchor="ctr"/>
+          <a:lstStyle/>
+          <a:p>
+            <a:pPr algn="ctr"/>
+            <a:endParaRPr lang="de-DE"/>
+          </a:p>
+        </p:txBody>
+      </p:sp>
+      <p:sp>
+        <p:nvSpPr>
+          <p:cNvPr id="9" name="Ecken des Rechtecks auf der gleichen Seite abrunden 8"/>
+          <p:cNvSpPr/>
+          <p:nvPr/>
+        </p:nvSpPr>
+        <p:spPr>
+          <a:xfrm flipV="1">
+            <a:off x="5189271" y="-6830"/>
+            <a:ext cx="1905008" cy="430153"/>
+          </a:xfrm>
+          <a:prstGeom prst="round2SameRect">
+            <a:avLst>
+              <a:gd name="adj1" fmla="val 11111"/>
+              <a:gd name="adj2" fmla="val 0"/>
+            </a:avLst>
+          </a:prstGeom>
+          <a:solidFill>
+            <a:srgbClr val="1191D1"/>
+          </a:solidFill>
+          <a:ln>
+            <a:solidFill>
+              <a:srgbClr val="1191D1"/>
+            </a:solidFill>
+          </a:ln>
+          <a:effectLst/>
+        </p:spPr>
+        <p:style>
+          <a:lnRef idx="1">
+            <a:schemeClr val="accent1"/>
+          </a:lnRef>
+          <a:fillRef idx="3">
+            <a:schemeClr val="accent1"/>
+          </a:fillRef>
+          <a:effectRef idx="2">
+            <a:schemeClr val="accent1"/>
+          </a:effectRef>
+          <a:fontRef idx="minor">
+            <a:schemeClr val="lt1"/>
+          </a:fontRef>
+        </p:style>
+        <p:txBody>
+          <a:bodyPr rtlCol="0" anchor="ctr"/>
+          <a:lstStyle/>
+          <a:p>
+            <a:pPr algn="ctr"/>
+            <a:endParaRPr lang="de-DE" dirty="0"/>
+          </a:p>
+        </p:txBody>
+      </p:sp>
+      <p:sp>
+        <p:nvSpPr>
+          <p:cNvPr id="10" name="Textfeld 9"/>
+          <p:cNvSpPr txBox="1"/>
+          <p:nvPr/>
+        </p:nvSpPr>
+        <p:spPr>
+          <a:xfrm>
+            <a:off x="5250723" y="82390"/>
+            <a:ext cx="1905008" cy="253916"/>
+          </a:xfrm>
+          <a:prstGeom prst="rect">
+            <a:avLst/>
+          </a:prstGeom>
+          <a:noFill/>
+        </p:spPr>
+        <p:txBody>
+          <a:bodyPr wrap="square" rtlCol="0">
+            <a:spAutoFit/>
+          </a:bodyPr>
+          <a:lstStyle/>
+          <a:p>
+            <a:r>
+              <a:rPr lang="de-DE" sz="1050" b="1" dirty="0" smtClean="0">
+                <a:solidFill>
+                  <a:schemeClr val="bg1"/>
+                </a:solidFill>
+                <a:latin typeface="Avenir Book"/>
+                <a:cs typeface="Avenir Book"/>
+              </a:rPr>
+              <a:t>TRAININGSKARTE</a:t>
+            </a:r>
+            <a:r>
+              <a:rPr lang="de-DE" sz="1050" dirty="0" smtClean="0">
+                <a:solidFill>
+                  <a:schemeClr val="bg1"/>
+                </a:solidFill>
+                <a:latin typeface="Avenir Book"/>
+                <a:cs typeface="Avenir Book"/>
+              </a:rPr>
+              <a:t> </a:t>
+            </a:r>
+            <a:r>
+              <a:rPr lang="de-DE" sz="1050" b="1" dirty="0" smtClean="0">
+                <a:solidFill>
+                  <a:schemeClr val="bg1"/>
+                </a:solidFill>
+                <a:latin typeface="Avenir Heavy"/>
+                <a:cs typeface="Avenir Heavy"/>
+              </a:rPr>
+              <a:t>PER</a:t>
+            </a:r>
+            <a:r>
+              <a:rPr lang="de-DE" sz="1050" b="1" baseline="0" dirty="0" smtClean="0">
+                <a:solidFill>
+                  <a:schemeClr val="bg1"/>
+                </a:solidFill>
+                <a:latin typeface="Avenir Heavy"/>
+                <a:cs typeface="Avenir Heavy"/>
+              </a:rPr>
+              <a:t> </a:t>
+            </a:r>
+            <a:r>
+              <a:rPr lang="de-DE" sz="1050" b="1" dirty="0" smtClean="0">
+                <a:solidFill>
+                  <a:schemeClr val="bg1"/>
+                </a:solidFill>
+                <a:latin typeface="Avenir Heavy"/>
+                <a:cs typeface="Avenir Heavy"/>
+              </a:rPr>
+              <a:t>05</a:t>
+            </a:r>
+            <a:endParaRPr lang="de-DE" sz="1050" b="1" dirty="0">
+              <a:solidFill>
+                <a:schemeClr val="bg1"/>
+              </a:solidFill>
+              <a:latin typeface="Avenir Heavy"/>
+              <a:cs typeface="Avenir Heavy"/>
+            </a:endParaRPr>
+          </a:p>
+        </p:txBody>
+      </p:sp>
+      <p:pic>
+        <p:nvPicPr>
+          <p:cNvPr id="11" name="Bild 10" descr="Agile-Moves_neu.png"/>
+          <p:cNvPicPr>
+            <a:picLocks noChangeAspect="1"/>
+          </p:cNvPicPr>
+          <p:nvPr/>
+        </p:nvPicPr>
+        <p:blipFill rotWithShape="1">
+          <a:blip r:embed="rId6">
+            <a:extLst>
+              <a:ext uri="{28A0092B-C50C-407E-A947-70E740481C1C}">
+                <a14:useLocalDpi xmlns:a14="http://schemas.microsoft.com/office/drawing/2010/main" val="0"/>
+              </a:ext>
+            </a:extLst>
+          </a:blip>
+          <a:srcRect l="41251" t="11643" r="41617" b="41498"/>
+          <a:stretch/>
+        </p:blipFill>
+        <p:spPr>
+          <a:xfrm>
+            <a:off x="218218" y="589976"/>
+            <a:ext cx="886754" cy="808932"/>
+          </a:xfrm>
+          <a:prstGeom prst="rect">
+            <a:avLst/>
+          </a:prstGeom>
+        </p:spPr>
+      </p:pic>
     </p:spTree>
     <p:extLst>
       <p:ext uri="{BB962C8B-B14F-4D97-AF65-F5344CB8AC3E}">

--- a/agile moves/Perception (PER)/ger_PER_05_Staerkenspiegel.pptx
+++ b/agile moves/Perception (PER)/ger_PER_05_Staerkenspiegel.pptx
@@ -1779,7 +1779,7 @@
         <p:spPr/>
         <p:txBody>
           <a:bodyPr>
-            <a:normAutofit lnSpcReduction="10000"/>
+            <a:normAutofit fontScale="92500"/>
           </a:bodyPr>
           <a:lstStyle/>
           <a:p>
@@ -1828,7 +1828,37 @@
           <a:p>
             <a:r>
               <a:rPr lang="de-DE" dirty="0"/>
-              <a:t>Filtere daraus Deine Schlüsselstärken heraus. Was wurde mehrfach genannt? Was findest Du wichtig für Dich? Was hast Du Dir selbst schon gedacht? Notiere sie Dir so, dass Du darauf zurückgreifen kannst  – besonders in Drucksituationen oder bei schwierigen Entscheidungen.</a:t>
+              <a:t>Filtere daraus Deine Schlüsselstärken heraus. Was wurde mehrfach genannt? Was findest Du wichtig für Dich? Was hast Du Dir selbst schon gedacht? Notiere sie Dir so, dass </a:t>
+            </a:r>
+            <a:r>
+              <a:rPr lang="de-DE" dirty="0" smtClean="0"/>
+              <a:t>Du</a:t>
+            </a:r>
+            <a:br>
+              <a:rPr lang="de-DE" dirty="0" smtClean="0"/>
+            </a:br>
+            <a:r>
+              <a:rPr lang="de-DE" dirty="0" smtClean="0"/>
+              <a:t> </a:t>
+            </a:r>
+            <a:r>
+              <a:rPr lang="de-DE" dirty="0"/>
+              <a:t>darauf zurückgreifen kannst  – besonders in Drucksituationen oder bei </a:t>
+            </a:r>
+            <a:r>
+              <a:rPr lang="de-DE" dirty="0" smtClean="0"/>
+              <a:t>schwierigen</a:t>
+            </a:r>
+            <a:br>
+              <a:rPr lang="de-DE" dirty="0" smtClean="0"/>
+            </a:br>
+            <a:r>
+              <a:rPr lang="de-DE" dirty="0" smtClean="0"/>
+              <a:t> </a:t>
+            </a:r>
+            <a:r>
+              <a:rPr lang="de-DE" dirty="0"/>
+              <a:t>Entscheidungen.</a:t>
             </a:r>
           </a:p>
           <a:p>
@@ -1845,6 +1875,36 @@
           </a:p>
         </p:txBody>
       </p:sp>
+      <p:pic>
+        <p:nvPicPr>
+          <p:cNvPr id="3" name="Bild 2" descr="apprentice.pdf"/>
+          <p:cNvPicPr>
+            <a:picLocks noChangeAspect="1"/>
+          </p:cNvPicPr>
+          <p:nvPr/>
+        </p:nvPicPr>
+        <p:blipFill>
+          <a:blip r:embed="rId2">
+            <a:extLst>
+              <a:ext uri="{28A0092B-C50C-407E-A947-70E740481C1C}">
+                <a14:useLocalDpi xmlns:a14="http://schemas.microsoft.com/office/drawing/2010/main" val="0"/>
+              </a:ext>
+            </a:extLst>
+          </a:blip>
+          <a:stretch>
+            <a:fillRect/>
+          </a:stretch>
+        </p:blipFill>
+        <p:spPr>
+          <a:xfrm>
+            <a:off x="5930583" y="4065697"/>
+            <a:ext cx="939800" cy="914400"/>
+          </a:xfrm>
+          <a:prstGeom prst="rect">
+            <a:avLst/>
+          </a:prstGeom>
+        </p:spPr>
+      </p:pic>
     </p:spTree>
     <p:extLst>
       <p:ext uri="{BB962C8B-B14F-4D97-AF65-F5344CB8AC3E}">
